--- a/Diapo Presentation MiProjet.pptx
+++ b/Diapo Presentation MiProjet.pptx
@@ -111,6 +111,11 @@
       </a:defRPr>
     </a:lvl9pPr>
   </p:defaultTextStyle>
+  <p:extLst>
+    <p:ext uri="{EFAFB233-063F-42B5-8137-9DF3F51BA10A}">
+      <p15:sldGuideLst xmlns:p15="http://schemas.microsoft.com/office/powerpoint/2012/main"/>
+    </p:ext>
+  </p:extLst>
 </p:presentation>
 </file>
 
@@ -6252,7 +6257,6 @@
               <a:rPr lang="fr-FR" dirty="0"/>
               <a:t>Présentation de l’équipe</a:t>
             </a:r>
-            <a:endParaRPr lang="fr-FR" dirty="0"/>
           </a:p>
           <a:p>
             <a:r>
@@ -6556,7 +6560,7 @@
         <p:spPr>
           <a:xfrm>
             <a:off x="1509477" y="1752599"/>
-            <a:ext cx="10018713" cy="3124201"/>
+            <a:ext cx="10018713" cy="3584547"/>
           </a:xfrm>
         </p:spPr>
         <p:txBody>
@@ -6587,6 +6591,15 @@
               </a:rPr>
               <a:t>Utilitaire de sauvegarde, d’édition et de visualisation d’informations liées à un compte utilisateur :</a:t>
             </a:r>
+          </a:p>
+          <a:p>
+            <a:pPr marL="0" indent="0">
+              <a:buNone/>
+            </a:pPr>
+            <a:endParaRPr lang="fr-FR" dirty="0">
+              <a:latin typeface="Segoe UI Light" panose="020B0502040204020203" pitchFamily="34" charset="0"/>
+              <a:cs typeface="Segoe UI Light" panose="020B0502040204020203" pitchFamily="34" charset="0"/>
+            </a:endParaRPr>
           </a:p>
           <a:p>
             <a:pPr>
@@ -6832,16 +6845,12 @@
               <a:buChar char="§"/>
             </a:pPr>
             <a:r>
-              <a:rPr lang="fr-FR" dirty="0" err="1">
+              <a:rPr lang="fr-FR" dirty="0">
                 <a:latin typeface="Segoe UI Light" panose="020B0502040204020203" pitchFamily="34" charset="0"/>
                 <a:cs typeface="Segoe UI Light" panose="020B0502040204020203" pitchFamily="34" charset="0"/>
               </a:rPr>
-              <a:t>Evenementiel</a:t>
-            </a:r>
-            <a:endParaRPr lang="fr-FR" dirty="0">
-              <a:latin typeface="Segoe UI Light" panose="020B0502040204020203" pitchFamily="34" charset="0"/>
-              <a:cs typeface="Segoe UI Light" panose="020B0502040204020203" pitchFamily="34" charset="0"/>
-            </a:endParaRPr>
+              <a:t>Evènementiel</a:t>
+            </a:r>
           </a:p>
           <a:p>
             <a:pPr>
@@ -6898,6 +6907,9 @@
   <p:clrMapOvr>
     <a:masterClrMapping/>
   </p:clrMapOvr>
+  <p:transition spd="med">
+    <p:pull/>
+  </p:transition>
 </p:sld>
 </file>
 
@@ -7002,49 +7014,7 @@
                 <a:latin typeface="Segoe UI Light" panose="020B0502040204020203" pitchFamily="34" charset="0"/>
                 <a:cs typeface="Segoe UI Light" panose="020B0502040204020203" pitchFamily="34" charset="0"/>
               </a:rPr>
-              <a:t>Les applications de type « voyage » sont le plus souvent orientées sur l’aspect partage social ( ex : </a:t>
-            </a:r>
-            <a:r>
-              <a:rPr lang="fr-FR" dirty="0" err="1">
-                <a:latin typeface="Segoe UI Light" panose="020B0502040204020203" pitchFamily="34" charset="0"/>
-                <a:cs typeface="Segoe UI Light" panose="020B0502040204020203" pitchFamily="34" charset="0"/>
-              </a:rPr>
-              <a:t>Travel</a:t>
-            </a:r>
-            <a:r>
-              <a:rPr lang="fr-FR" dirty="0">
-                <a:latin typeface="Segoe UI Light" panose="020B0502040204020203" pitchFamily="34" charset="0"/>
-                <a:cs typeface="Segoe UI Light" panose="020B0502040204020203" pitchFamily="34" charset="0"/>
-              </a:rPr>
-              <a:t> </a:t>
-            </a:r>
-            <a:r>
-              <a:rPr lang="fr-FR" dirty="0" err="1">
-                <a:latin typeface="Segoe UI Light" panose="020B0502040204020203" pitchFamily="34" charset="0"/>
-                <a:cs typeface="Segoe UI Light" panose="020B0502040204020203" pitchFamily="34" charset="0"/>
-              </a:rPr>
-              <a:t>Diary</a:t>
-            </a:r>
-            <a:r>
-              <a:rPr lang="fr-FR" dirty="0">
-                <a:latin typeface="Segoe UI Light" panose="020B0502040204020203" pitchFamily="34" charset="0"/>
-                <a:cs typeface="Segoe UI Light" panose="020B0502040204020203" pitchFamily="34" charset="0"/>
-              </a:rPr>
-              <a:t>, </a:t>
-            </a:r>
-            <a:r>
-              <a:rPr lang="fr-FR" dirty="0" err="1">
-                <a:latin typeface="Segoe UI Light" panose="020B0502040204020203" pitchFamily="34" charset="0"/>
-                <a:cs typeface="Segoe UI Light" panose="020B0502040204020203" pitchFamily="34" charset="0"/>
-              </a:rPr>
-              <a:t>Travel</a:t>
-            </a:r>
-            <a:r>
-              <a:rPr lang="fr-FR" dirty="0">
-                <a:latin typeface="Segoe UI Light" panose="020B0502040204020203" pitchFamily="34" charset="0"/>
-                <a:cs typeface="Segoe UI Light" panose="020B0502040204020203" pitchFamily="34" charset="0"/>
-              </a:rPr>
-              <a:t> log, Instagram… )</a:t>
+              <a:t>Les applications de type « voyage » sont le plus souvent orientées sur l’aspect partage social ( ex : Travel Diary, Travel Log, Instagram… )</a:t>
             </a:r>
           </a:p>
           <a:p>
@@ -7152,6 +7122,9 @@
   <p:clrMapOvr>
     <a:masterClrMapping/>
   </p:clrMapOvr>
+  <p:transition spd="med">
+    <p:pull/>
+  </p:transition>
 </p:sld>
 </file>
 
@@ -7195,24 +7168,14 @@
           <a:lstStyle/>
           <a:p>
             <a:r>
-              <a:rPr lang="fr-FR" sz="6000" b="1" dirty="0" err="1">
+              <a:rPr lang="fr-FR" sz="6000" b="1" dirty="0">
                 <a:solidFill>
                   <a:srgbClr val="BC1C1C"/>
                 </a:solidFill>
                 <a:latin typeface="Segoe UI Light" panose="020B0502040204020203" pitchFamily="34" charset="0"/>
                 <a:cs typeface="Segoe UI Light" panose="020B0502040204020203" pitchFamily="34" charset="0"/>
               </a:rPr>
-              <a:t>Plannification</a:t>
-            </a:r>
-            <a:r>
-              <a:rPr lang="fr-FR" sz="6000" b="1" dirty="0">
-                <a:solidFill>
-                  <a:srgbClr val="BC1C1C"/>
-                </a:solidFill>
-                <a:latin typeface="Segoe UI Light" panose="020B0502040204020203" pitchFamily="34" charset="0"/>
-                <a:cs typeface="Segoe UI Light" panose="020B0502040204020203" pitchFamily="34" charset="0"/>
-              </a:rPr>
-              <a:t> du projet</a:t>
+              <a:t>Planification du projet</a:t>
             </a:r>
             <a:endParaRPr lang="en-US" sz="6000" b="1" dirty="0">
               <a:solidFill>
@@ -7236,15 +7199,59 @@
         </p:nvSpPr>
         <p:spPr>
           <a:xfrm>
-            <a:off x="1643701" y="1752599"/>
-            <a:ext cx="10018713" cy="3124201"/>
+            <a:off x="1727591" y="1721085"/>
+            <a:ext cx="10018713" cy="3647575"/>
           </a:xfrm>
         </p:spPr>
         <p:txBody>
-          <a:bodyPr/>
+          <a:bodyPr>
+            <a:normAutofit fontScale="92500"/>
+          </a:bodyPr>
           <a:lstStyle/>
           <a:p>
-            <a:endParaRPr lang="en-US" dirty="0"/>
+            <a:r>
+              <a:rPr lang="fr-FR" dirty="0">
+                <a:latin typeface="Segoe UI Light" panose="020B0502040204020203" pitchFamily="34" charset="0"/>
+                <a:cs typeface="Segoe UI Light" panose="020B0502040204020203" pitchFamily="34" charset="0"/>
+              </a:rPr>
+              <a:t>Semaine 1 et 2 : Réunion de brainstorming et mise en place d’un planning</a:t>
+            </a:r>
+          </a:p>
+          <a:p>
+            <a:r>
+              <a:rPr lang="fr-FR" dirty="0">
+                <a:latin typeface="Segoe UI Light" panose="020B0502040204020203" pitchFamily="34" charset="0"/>
+                <a:cs typeface="Segoe UI Light" panose="020B0502040204020203" pitchFamily="34" charset="0"/>
+              </a:rPr>
+              <a:t>Semaine 3 à 6 : Etude du projet / Identification des fonctionnalités / Répartition des tâches</a:t>
+            </a:r>
+          </a:p>
+          <a:p>
+            <a:r>
+              <a:rPr lang="fr-FR" dirty="0">
+                <a:latin typeface="Segoe UI Light" panose="020B0502040204020203" pitchFamily="34" charset="0"/>
+                <a:cs typeface="Segoe UI Light" panose="020B0502040204020203" pitchFamily="34" charset="0"/>
+              </a:rPr>
+              <a:t>Semaine 6 à 12 : Développement/Conception entière ou partielle de la base de données, de l’API, de la charte graphique, de l’interface utilisateur et du site web</a:t>
+            </a:r>
+          </a:p>
+          <a:p>
+            <a:r>
+              <a:rPr lang="fr-FR" dirty="0">
+                <a:latin typeface="Segoe UI Light" panose="020B0502040204020203" pitchFamily="34" charset="0"/>
+                <a:cs typeface="Segoe UI Light" panose="020B0502040204020203" pitchFamily="34" charset="0"/>
+              </a:rPr>
+              <a:t>Semaine 12 à … : Apprentissage du développement mobile et conception de l’application</a:t>
+            </a:r>
+          </a:p>
+          <a:p>
+            <a:r>
+              <a:rPr lang="fr-FR" dirty="0">
+                <a:latin typeface="Segoe UI Light" panose="020B0502040204020203" pitchFamily="34" charset="0"/>
+                <a:cs typeface="Segoe UI Light" panose="020B0502040204020203" pitchFamily="34" charset="0"/>
+              </a:rPr>
+              <a:t>Mise en ligne prévue le 15 Mai</a:t>
+            </a:r>
           </a:p>
         </p:txBody>
       </p:sp>
@@ -7282,6 +7289,9 @@
   <p:clrMapOvr>
     <a:masterClrMapping/>
   </p:clrMapOvr>
+  <p:transition spd="med">
+    <p:pull/>
+  </p:transition>
 </p:sld>
 </file>
 
@@ -7330,6 +7340,7 @@
                   <a:srgbClr val="BC1C1C"/>
                 </a:solidFill>
                 <a:latin typeface="Segoe UI Light" panose="020B0502040204020203" pitchFamily="34" charset="0"/>
+                <a:ea typeface="Segoe UI Historic" panose="020B0502040204020203" pitchFamily="34" charset="0"/>
                 <a:cs typeface="Segoe UI Light" panose="020B0502040204020203" pitchFamily="34" charset="0"/>
               </a:rPr>
               <a:t>Support utilisés</a:t>
@@ -7339,6 +7350,7 @@
                 <a:srgbClr val="BC1C1C"/>
               </a:solidFill>
               <a:latin typeface="Segoe UI Light" panose="020B0502040204020203" pitchFamily="34" charset="0"/>
+              <a:ea typeface="Segoe UI Historic" panose="020B0502040204020203" pitchFamily="34" charset="0"/>
               <a:cs typeface="Segoe UI Light" panose="020B0502040204020203" pitchFamily="34" charset="0"/>
             </a:endParaRPr>
           </a:p>
@@ -7356,7 +7368,7 @@
         </p:nvSpPr>
         <p:spPr>
           <a:xfrm>
-            <a:off x="1702423" y="1593208"/>
+            <a:off x="1702423" y="1865924"/>
             <a:ext cx="10018713" cy="3124201"/>
           </a:xfrm>
         </p:spPr>
@@ -7371,7 +7383,7 @@
                 <a:latin typeface="Segoe UI Light" panose="020B0502040204020203" pitchFamily="34" charset="0"/>
                 <a:cs typeface="Segoe UI Light" panose="020B0502040204020203" pitchFamily="34" charset="0"/>
               </a:rPr>
-              <a:t>Mise en place d’un « Git » pour l’organisation, le travail en équipe et regroupement des développement individuels</a:t>
+              <a:t>Mise en place d’un « Git » pour l’organisation, le travail en équipe et regroupement des développements individuels</a:t>
             </a:r>
           </a:p>
           <a:p>
@@ -7446,6 +7458,9 @@
   <p:clrMapOvr>
     <a:masterClrMapping/>
   </p:clrMapOvr>
+  <p:transition spd="med">
+    <p:pull/>
+  </p:transition>
 </p:sld>
 </file>
 

--- a/Diapo Presentation MiProjet.pptx
+++ b/Diapo Presentation MiProjet.pptx
@@ -13,6 +13,10 @@
     <p:sldId id="261" r:id="rId7"/>
     <p:sldId id="262" r:id="rId8"/>
     <p:sldId id="263" r:id="rId9"/>
+    <p:sldId id="264" r:id="rId10"/>
+    <p:sldId id="265" r:id="rId11"/>
+    <p:sldId id="266" r:id="rId12"/>
+    <p:sldId id="267" r:id="rId13"/>
   </p:sldIdLst>
   <p:sldSz cx="12192000" cy="6858000"/>
   <p:notesSz cx="6858000" cy="9144000"/>
@@ -622,7 +626,7 @@
             <a:fld id="{B61BEF0D-F0BB-DE4B-95CE-6DB70DBA9567}" type="datetimeFigureOut">
               <a:rPr lang="en-US" dirty="0"/>
               <a:pPr/>
-              <a:t>3/9/2017</a:t>
+              <a:t>3/30/2017</a:t>
             </a:fld>
             <a:endParaRPr lang="en-US" dirty="0"/>
           </a:p>
@@ -915,7 +919,7 @@
             <a:fld id="{B61BEF0D-F0BB-DE4B-95CE-6DB70DBA9567}" type="datetimeFigureOut">
               <a:rPr lang="en-US" dirty="0"/>
               <a:pPr/>
-              <a:t>3/9/2017</a:t>
+              <a:t>3/30/2017</a:t>
             </a:fld>
             <a:endParaRPr lang="en-US" dirty="0"/>
           </a:p>
@@ -1160,7 +1164,7 @@
             <a:fld id="{B61BEF0D-F0BB-DE4B-95CE-6DB70DBA9567}" type="datetimeFigureOut">
               <a:rPr lang="en-US" dirty="0"/>
               <a:pPr/>
-              <a:t>3/9/2017</a:t>
+              <a:t>3/30/2017</a:t>
             </a:fld>
             <a:endParaRPr lang="en-US" dirty="0"/>
           </a:p>
@@ -1697,7 +1701,7 @@
             <a:fld id="{B61BEF0D-F0BB-DE4B-95CE-6DB70DBA9567}" type="datetimeFigureOut">
               <a:rPr lang="en-US" dirty="0"/>
               <a:pPr/>
-              <a:t>3/9/2017</a:t>
+              <a:t>3/30/2017</a:t>
             </a:fld>
             <a:endParaRPr lang="en-US" dirty="0"/>
           </a:p>
@@ -1942,7 +1946,7 @@
             <a:fld id="{B61BEF0D-F0BB-DE4B-95CE-6DB70DBA9567}" type="datetimeFigureOut">
               <a:rPr lang="en-US" dirty="0"/>
               <a:pPr/>
-              <a:t>3/9/2017</a:t>
+              <a:t>3/30/2017</a:t>
             </a:fld>
             <a:endParaRPr lang="en-US" dirty="0"/>
           </a:p>
@@ -2471,7 +2475,7 @@
             <a:fld id="{B61BEF0D-F0BB-DE4B-95CE-6DB70DBA9567}" type="datetimeFigureOut">
               <a:rPr lang="en-US" dirty="0"/>
               <a:pPr/>
-              <a:t>3/9/2017</a:t>
+              <a:t>3/30/2017</a:t>
             </a:fld>
             <a:endParaRPr lang="en-US" dirty="0"/>
           </a:p>
@@ -2765,7 +2769,7 @@
             <a:fld id="{B61BEF0D-F0BB-DE4B-95CE-6DB70DBA9567}" type="datetimeFigureOut">
               <a:rPr lang="en-US" dirty="0"/>
               <a:pPr/>
-              <a:t>3/9/2017</a:t>
+              <a:t>3/30/2017</a:t>
             </a:fld>
             <a:endParaRPr lang="en-US" dirty="0"/>
           </a:p>
@@ -2936,7 +2940,7 @@
             <a:fld id="{B61BEF0D-F0BB-DE4B-95CE-6DB70DBA9567}" type="datetimeFigureOut">
               <a:rPr lang="en-US" dirty="0"/>
               <a:pPr/>
-              <a:t>3/9/2017</a:t>
+              <a:t>3/30/2017</a:t>
             </a:fld>
             <a:endParaRPr lang="en-US" dirty="0"/>
           </a:p>
@@ -3113,7 +3117,7 @@
             <a:fld id="{B61BEF0D-F0BB-DE4B-95CE-6DB70DBA9567}" type="datetimeFigureOut">
               <a:rPr lang="en-US" dirty="0"/>
               <a:pPr/>
-              <a:t>3/9/2017</a:t>
+              <a:t>3/30/2017</a:t>
             </a:fld>
             <a:endParaRPr lang="en-US" dirty="0"/>
           </a:p>
@@ -3280,7 +3284,7 @@
             <a:fld id="{B61BEF0D-F0BB-DE4B-95CE-6DB70DBA9567}" type="datetimeFigureOut">
               <a:rPr lang="en-US" dirty="0"/>
               <a:pPr/>
-              <a:t>3/9/2017</a:t>
+              <a:t>3/30/2017</a:t>
             </a:fld>
             <a:endParaRPr lang="en-US" dirty="0"/>
           </a:p>
@@ -3528,7 +3532,7 @@
             <a:fld id="{B61BEF0D-F0BB-DE4B-95CE-6DB70DBA9567}" type="datetimeFigureOut">
               <a:rPr lang="en-US" dirty="0"/>
               <a:pPr/>
-              <a:t>3/9/2017</a:t>
+              <a:t>3/30/2017</a:t>
             </a:fld>
             <a:endParaRPr lang="en-US" dirty="0"/>
           </a:p>
@@ -3822,7 +3826,7 @@
             <a:fld id="{B61BEF0D-F0BB-DE4B-95CE-6DB70DBA9567}" type="datetimeFigureOut">
               <a:rPr lang="en-US" dirty="0"/>
               <a:pPr/>
-              <a:t>3/9/2017</a:t>
+              <a:t>3/30/2017</a:t>
             </a:fld>
             <a:endParaRPr lang="en-US" dirty="0"/>
           </a:p>
@@ -4261,7 +4265,7 @@
             <a:fld id="{B61BEF0D-F0BB-DE4B-95CE-6DB70DBA9567}" type="datetimeFigureOut">
               <a:rPr lang="en-US" dirty="0"/>
               <a:pPr/>
-              <a:t>3/9/2017</a:t>
+              <a:t>3/30/2017</a:t>
             </a:fld>
             <a:endParaRPr lang="en-US" dirty="0"/>
           </a:p>
@@ -4376,7 +4380,7 @@
             <a:fld id="{B61BEF0D-F0BB-DE4B-95CE-6DB70DBA9567}" type="datetimeFigureOut">
               <a:rPr lang="en-US" dirty="0"/>
               <a:pPr/>
-              <a:t>3/9/2017</a:t>
+              <a:t>3/30/2017</a:t>
             </a:fld>
             <a:endParaRPr lang="en-US" dirty="0"/>
           </a:p>
@@ -4468,7 +4472,7 @@
             <a:fld id="{B61BEF0D-F0BB-DE4B-95CE-6DB70DBA9567}" type="datetimeFigureOut">
               <a:rPr lang="en-US" dirty="0"/>
               <a:pPr/>
-              <a:t>3/9/2017</a:t>
+              <a:t>3/30/2017</a:t>
             </a:fld>
             <a:endParaRPr lang="en-US" dirty="0"/>
           </a:p>
@@ -4748,7 +4752,7 @@
             <a:fld id="{B61BEF0D-F0BB-DE4B-95CE-6DB70DBA9567}" type="datetimeFigureOut">
               <a:rPr lang="en-US" dirty="0"/>
               <a:pPr/>
-              <a:t>3/9/2017</a:t>
+              <a:t>3/30/2017</a:t>
             </a:fld>
             <a:endParaRPr lang="en-US" dirty="0"/>
           </a:p>
@@ -5036,7 +5040,7 @@
             <a:fld id="{B61BEF0D-F0BB-DE4B-95CE-6DB70DBA9567}" type="datetimeFigureOut">
               <a:rPr lang="en-US" dirty="0"/>
               <a:pPr/>
-              <a:t>3/9/2017</a:t>
+              <a:t>3/30/2017</a:t>
             </a:fld>
             <a:endParaRPr lang="en-US" dirty="0"/>
           </a:p>
@@ -5563,7 +5567,7 @@
             <a:fld id="{B61BEF0D-F0BB-DE4B-95CE-6DB70DBA9567}" type="datetimeFigureOut">
               <a:rPr lang="en-US" dirty="0"/>
               <a:pPr/>
-              <a:t>3/9/2017</a:t>
+              <a:t>3/30/2017</a:t>
             </a:fld>
             <a:endParaRPr lang="en-US" dirty="0"/>
           </a:p>
@@ -6174,6 +6178,535 @@
 </p:sld>
 </file>
 
+<file path=ppt/slides/slide10.xml><?xml version="1.0" encoding="utf-8"?>
+<p:sld xmlns:a="http://schemas.openxmlformats.org/drawingml/2006/main" xmlns:r="http://schemas.openxmlformats.org/officeDocument/2006/relationships" xmlns:p="http://schemas.openxmlformats.org/presentationml/2006/main">
+  <p:cSld>
+    <p:spTree>
+      <p:nvGrpSpPr>
+        <p:cNvPr id="1" name=""/>
+        <p:cNvGrpSpPr/>
+        <p:nvPr/>
+      </p:nvGrpSpPr>
+      <p:grpSpPr>
+        <a:xfrm>
+          <a:off x="0" y="0"/>
+          <a:ext cx="0" cy="0"/>
+          <a:chOff x="0" y="0"/>
+          <a:chExt cx="0" cy="0"/>
+        </a:xfrm>
+      </p:grpSpPr>
+      <p:sp>
+        <p:nvSpPr>
+          <p:cNvPr id="2" name="Titre 1"/>
+          <p:cNvSpPr>
+            <a:spLocks noGrp="1"/>
+          </p:cNvSpPr>
+          <p:nvPr>
+            <p:ph type="title"/>
+          </p:nvPr>
+        </p:nvSpPr>
+        <p:spPr>
+          <a:xfrm>
+            <a:off x="1702424" y="0"/>
+            <a:ext cx="10018713" cy="1752599"/>
+          </a:xfrm>
+        </p:spPr>
+        <p:txBody>
+          <a:bodyPr>
+            <a:normAutofit/>
+          </a:bodyPr>
+          <a:lstStyle/>
+          <a:p>
+            <a:r>
+              <a:rPr lang="fr-FR" sz="6000" b="1" dirty="0">
+                <a:solidFill>
+                  <a:srgbClr val="BC1C1C"/>
+                </a:solidFill>
+                <a:latin typeface="Segoe UI Light" panose="020B0502040204020203" pitchFamily="34" charset="0"/>
+                <a:ea typeface="Segoe UI Historic" panose="020B0502040204020203" pitchFamily="34" charset="0"/>
+                <a:cs typeface="Segoe UI Light" panose="020B0502040204020203" pitchFamily="34" charset="0"/>
+              </a:rPr>
+              <a:t>Budget Prévisionnel</a:t>
+            </a:r>
+            <a:endParaRPr lang="en-US" sz="6000" b="1" dirty="0">
+              <a:solidFill>
+                <a:srgbClr val="BC1C1C"/>
+              </a:solidFill>
+              <a:latin typeface="Segoe UI Light" panose="020B0502040204020203" pitchFamily="34" charset="0"/>
+              <a:ea typeface="Segoe UI Historic" panose="020B0502040204020203" pitchFamily="34" charset="0"/>
+              <a:cs typeface="Segoe UI Light" panose="020B0502040204020203" pitchFamily="34" charset="0"/>
+            </a:endParaRPr>
+          </a:p>
+        </p:txBody>
+      </p:sp>
+      <p:sp>
+        <p:nvSpPr>
+          <p:cNvPr id="3" name="Espace réservé du contenu 2"/>
+          <p:cNvSpPr>
+            <a:spLocks noGrp="1"/>
+          </p:cNvSpPr>
+          <p:nvPr>
+            <p:ph idx="1"/>
+          </p:nvPr>
+        </p:nvSpPr>
+        <p:spPr>
+          <a:xfrm>
+            <a:off x="1702423" y="1865924"/>
+            <a:ext cx="10018713" cy="3124201"/>
+          </a:xfrm>
+        </p:spPr>
+        <p:txBody>
+          <a:bodyPr>
+            <a:normAutofit/>
+          </a:bodyPr>
+          <a:lstStyle/>
+          <a:p>
+            <a:pPr marL="0" indent="0">
+              <a:buNone/>
+            </a:pPr>
+            <a:r>
+              <a:rPr lang="fr-FR" b="1" dirty="0">
+                <a:latin typeface="Segoe UI Light" panose="020B0502040204020203" pitchFamily="34" charset="0"/>
+                <a:cs typeface="Segoe UI Light" panose="020B0502040204020203" pitchFamily="34" charset="0"/>
+              </a:rPr>
+              <a:t>Prévision des frais à venir</a:t>
+            </a:r>
+          </a:p>
+          <a:p>
+            <a:r>
+              <a:rPr lang="fr-FR" dirty="0">
+                <a:latin typeface="Segoe UI Light" panose="020B0502040204020203" pitchFamily="34" charset="0"/>
+                <a:cs typeface="Segoe UI Light" panose="020B0502040204020203" pitchFamily="34" charset="0"/>
+              </a:rPr>
+              <a:t>Copyright</a:t>
+            </a:r>
+          </a:p>
+          <a:p>
+            <a:r>
+              <a:rPr lang="fr-FR" dirty="0">
+                <a:latin typeface="Segoe UI Light" panose="020B0502040204020203" pitchFamily="34" charset="0"/>
+                <a:cs typeface="Segoe UI Light" panose="020B0502040204020203" pitchFamily="34" charset="0"/>
+              </a:rPr>
+              <a:t>Frais de gestion et de développement</a:t>
+            </a:r>
+          </a:p>
+          <a:p>
+            <a:r>
+              <a:rPr lang="fr-FR" dirty="0">
+                <a:latin typeface="Segoe UI Light" panose="020B0502040204020203" pitchFamily="34" charset="0"/>
+                <a:cs typeface="Segoe UI Light" panose="020B0502040204020203" pitchFamily="34" charset="0"/>
+              </a:rPr>
+              <a:t>Création d’entreprise</a:t>
+            </a:r>
+          </a:p>
+          <a:p>
+            <a:r>
+              <a:rPr lang="fr-FR" dirty="0">
+                <a:latin typeface="Segoe UI Light" panose="020B0502040204020203" pitchFamily="34" charset="0"/>
+                <a:cs typeface="Segoe UI Light" panose="020B0502040204020203" pitchFamily="34" charset="0"/>
+              </a:rPr>
+              <a:t>Hébergement de nos serveurs</a:t>
+            </a:r>
+          </a:p>
+        </p:txBody>
+      </p:sp>
+      <p:pic>
+        <p:nvPicPr>
+          <p:cNvPr id="5" name="Image 4"/>
+          <p:cNvPicPr>
+            <a:picLocks noChangeAspect="1"/>
+          </p:cNvPicPr>
+          <p:nvPr/>
+        </p:nvPicPr>
+        <p:blipFill>
+          <a:blip r:embed="rId2"/>
+          <a:stretch>
+            <a:fillRect/>
+          </a:stretch>
+        </p:blipFill>
+        <p:spPr>
+          <a:xfrm>
+            <a:off x="10342699" y="5337146"/>
+            <a:ext cx="1219048" cy="1219048"/>
+          </a:xfrm>
+          <a:prstGeom prst="rect">
+            <a:avLst/>
+          </a:prstGeom>
+        </p:spPr>
+      </p:pic>
+    </p:spTree>
+    <p:extLst>
+      <p:ext uri="{BB962C8B-B14F-4D97-AF65-F5344CB8AC3E}">
+        <p14:creationId xmlns:p14="http://schemas.microsoft.com/office/powerpoint/2010/main" val="942437349"/>
+      </p:ext>
+    </p:extLst>
+  </p:cSld>
+  <p:clrMapOvr>
+    <a:masterClrMapping/>
+  </p:clrMapOvr>
+  <p:transition spd="med">
+    <p:pull/>
+  </p:transition>
+</p:sld>
+</file>
+
+<file path=ppt/slides/slide11.xml><?xml version="1.0" encoding="utf-8"?>
+<p:sld xmlns:a="http://schemas.openxmlformats.org/drawingml/2006/main" xmlns:r="http://schemas.openxmlformats.org/officeDocument/2006/relationships" xmlns:p="http://schemas.openxmlformats.org/presentationml/2006/main">
+  <p:cSld>
+    <p:spTree>
+      <p:nvGrpSpPr>
+        <p:cNvPr id="1" name=""/>
+        <p:cNvGrpSpPr/>
+        <p:nvPr/>
+      </p:nvGrpSpPr>
+      <p:grpSpPr>
+        <a:xfrm>
+          <a:off x="0" y="0"/>
+          <a:ext cx="0" cy="0"/>
+          <a:chOff x="0" y="0"/>
+          <a:chExt cx="0" cy="0"/>
+        </a:xfrm>
+      </p:grpSpPr>
+      <p:sp>
+        <p:nvSpPr>
+          <p:cNvPr id="2" name="Titre 1"/>
+          <p:cNvSpPr>
+            <a:spLocks noGrp="1"/>
+          </p:cNvSpPr>
+          <p:nvPr>
+            <p:ph type="title"/>
+          </p:nvPr>
+        </p:nvSpPr>
+        <p:spPr>
+          <a:xfrm>
+            <a:off x="1702424" y="0"/>
+            <a:ext cx="10018713" cy="1752599"/>
+          </a:xfrm>
+        </p:spPr>
+        <p:txBody>
+          <a:bodyPr>
+            <a:normAutofit/>
+          </a:bodyPr>
+          <a:lstStyle/>
+          <a:p>
+            <a:r>
+              <a:rPr lang="fr-FR" sz="6000" b="1" dirty="0">
+                <a:solidFill>
+                  <a:srgbClr val="BC1C1C"/>
+                </a:solidFill>
+                <a:latin typeface="Segoe UI Light" panose="020B0502040204020203" pitchFamily="34" charset="0"/>
+                <a:ea typeface="Segoe UI Historic" panose="020B0502040204020203" pitchFamily="34" charset="0"/>
+                <a:cs typeface="Segoe UI Light" panose="020B0502040204020203" pitchFamily="34" charset="0"/>
+              </a:rPr>
+              <a:t>Budget Prévisionnel</a:t>
+            </a:r>
+            <a:endParaRPr lang="en-US" sz="6000" b="1" dirty="0">
+              <a:solidFill>
+                <a:srgbClr val="BC1C1C"/>
+              </a:solidFill>
+              <a:latin typeface="Segoe UI Light" panose="020B0502040204020203" pitchFamily="34" charset="0"/>
+              <a:ea typeface="Segoe UI Historic" panose="020B0502040204020203" pitchFamily="34" charset="0"/>
+              <a:cs typeface="Segoe UI Light" panose="020B0502040204020203" pitchFamily="34" charset="0"/>
+            </a:endParaRPr>
+          </a:p>
+        </p:txBody>
+      </p:sp>
+      <p:sp>
+        <p:nvSpPr>
+          <p:cNvPr id="3" name="Espace réservé du contenu 2"/>
+          <p:cNvSpPr>
+            <a:spLocks noGrp="1"/>
+          </p:cNvSpPr>
+          <p:nvPr>
+            <p:ph idx="1"/>
+          </p:nvPr>
+        </p:nvSpPr>
+        <p:spPr>
+          <a:xfrm>
+            <a:off x="1702423" y="1865924"/>
+            <a:ext cx="10018713" cy="3124201"/>
+          </a:xfrm>
+        </p:spPr>
+        <p:txBody>
+          <a:bodyPr>
+            <a:normAutofit lnSpcReduction="10000"/>
+          </a:bodyPr>
+          <a:lstStyle/>
+          <a:p>
+            <a:pPr marL="0" indent="0">
+              <a:buNone/>
+            </a:pPr>
+            <a:r>
+              <a:rPr lang="fr-FR" b="1" dirty="0">
+                <a:latin typeface="Segoe UI Light" panose="020B0502040204020203" pitchFamily="34" charset="0"/>
+                <a:cs typeface="Segoe UI Light" panose="020B0502040204020203" pitchFamily="34" charset="0"/>
+              </a:rPr>
+              <a:t>Prévision des revenus à venir</a:t>
+            </a:r>
+          </a:p>
+          <a:p>
+            <a:r>
+              <a:rPr lang="fr-FR" dirty="0">
+                <a:latin typeface="Segoe UI Light" panose="020B0502040204020203" pitchFamily="34" charset="0"/>
+                <a:cs typeface="Segoe UI Light" panose="020B0502040204020203" pitchFamily="34" charset="0"/>
+              </a:rPr>
+              <a:t>Sponsors : demandes de financements auprès de l’université, de la région, et de certains sites de voyage</a:t>
+            </a:r>
+          </a:p>
+          <a:p>
+            <a:r>
+              <a:rPr lang="fr-FR" dirty="0">
+                <a:latin typeface="Segoe UI Light" panose="020B0502040204020203" pitchFamily="34" charset="0"/>
+                <a:cs typeface="Segoe UI Light" panose="020B0502040204020203" pitchFamily="34" charset="0"/>
+              </a:rPr>
+              <a:t>Recherche de partenariat et collaborations</a:t>
+            </a:r>
+          </a:p>
+          <a:p>
+            <a:r>
+              <a:rPr lang="fr-FR" dirty="0">
+                <a:latin typeface="Segoe UI Light" panose="020B0502040204020203" pitchFamily="34" charset="0"/>
+                <a:cs typeface="Segoe UI Light" panose="020B0502040204020203" pitchFamily="34" charset="0"/>
+              </a:rPr>
+              <a:t>Publicité : Sous condition d’avoir un nombre d’utilisateurs et de téléchargements régulier</a:t>
+            </a:r>
+          </a:p>
+          <a:p>
+            <a:r>
+              <a:rPr lang="fr-FR" dirty="0">
+                <a:latin typeface="Segoe UI Light" panose="020B0502040204020203" pitchFamily="34" charset="0"/>
+                <a:cs typeface="Segoe UI Light" panose="020B0502040204020203" pitchFamily="34" charset="0"/>
+              </a:rPr>
+              <a:t>Compte « </a:t>
+            </a:r>
+            <a:r>
+              <a:rPr lang="fr-FR" dirty="0" err="1">
+                <a:latin typeface="Segoe UI Light" panose="020B0502040204020203" pitchFamily="34" charset="0"/>
+                <a:cs typeface="Segoe UI Light" panose="020B0502040204020203" pitchFamily="34" charset="0"/>
+              </a:rPr>
+              <a:t>prenium</a:t>
+            </a:r>
+            <a:r>
+              <a:rPr lang="fr-FR" dirty="0">
+                <a:latin typeface="Segoe UI Light" panose="020B0502040204020203" pitchFamily="34" charset="0"/>
+                <a:cs typeface="Segoe UI Light" panose="020B0502040204020203" pitchFamily="34" charset="0"/>
+              </a:rPr>
+              <a:t> » (à venir)</a:t>
+            </a:r>
+          </a:p>
+        </p:txBody>
+      </p:sp>
+      <p:pic>
+        <p:nvPicPr>
+          <p:cNvPr id="5" name="Image 4"/>
+          <p:cNvPicPr>
+            <a:picLocks noChangeAspect="1"/>
+          </p:cNvPicPr>
+          <p:nvPr/>
+        </p:nvPicPr>
+        <p:blipFill>
+          <a:blip r:embed="rId2"/>
+          <a:stretch>
+            <a:fillRect/>
+          </a:stretch>
+        </p:blipFill>
+        <p:spPr>
+          <a:xfrm>
+            <a:off x="10342699" y="5337146"/>
+            <a:ext cx="1219048" cy="1219048"/>
+          </a:xfrm>
+          <a:prstGeom prst="rect">
+            <a:avLst/>
+          </a:prstGeom>
+        </p:spPr>
+      </p:pic>
+    </p:spTree>
+    <p:extLst>
+      <p:ext uri="{BB962C8B-B14F-4D97-AF65-F5344CB8AC3E}">
+        <p14:creationId xmlns:p14="http://schemas.microsoft.com/office/powerpoint/2010/main" val="886775215"/>
+      </p:ext>
+    </p:extLst>
+  </p:cSld>
+  <p:clrMapOvr>
+    <a:masterClrMapping/>
+  </p:clrMapOvr>
+  <p:transition spd="med">
+    <p:pull/>
+  </p:transition>
+</p:sld>
+</file>
+
+<file path=ppt/slides/slide12.xml><?xml version="1.0" encoding="utf-8"?>
+<p:sld xmlns:a="http://schemas.openxmlformats.org/drawingml/2006/main" xmlns:r="http://schemas.openxmlformats.org/officeDocument/2006/relationships" xmlns:p="http://schemas.openxmlformats.org/presentationml/2006/main">
+  <p:cSld>
+    <p:spTree>
+      <p:nvGrpSpPr>
+        <p:cNvPr id="1" name=""/>
+        <p:cNvGrpSpPr/>
+        <p:nvPr/>
+      </p:nvGrpSpPr>
+      <p:grpSpPr>
+        <a:xfrm>
+          <a:off x="0" y="0"/>
+          <a:ext cx="0" cy="0"/>
+          <a:chOff x="0" y="0"/>
+          <a:chExt cx="0" cy="0"/>
+        </a:xfrm>
+      </p:grpSpPr>
+      <p:sp>
+        <p:nvSpPr>
+          <p:cNvPr id="2" name="Titre 1"/>
+          <p:cNvSpPr>
+            <a:spLocks noGrp="1"/>
+          </p:cNvSpPr>
+          <p:nvPr>
+            <p:ph type="title"/>
+          </p:nvPr>
+        </p:nvSpPr>
+        <p:spPr>
+          <a:xfrm>
+            <a:off x="1702424" y="0"/>
+            <a:ext cx="10018713" cy="1752599"/>
+          </a:xfrm>
+        </p:spPr>
+        <p:txBody>
+          <a:bodyPr>
+            <a:normAutofit/>
+          </a:bodyPr>
+          <a:lstStyle/>
+          <a:p>
+            <a:r>
+              <a:rPr lang="fr-FR" sz="6000" b="1" dirty="0">
+                <a:solidFill>
+                  <a:srgbClr val="BC1C1C"/>
+                </a:solidFill>
+                <a:latin typeface="Segoe UI Light" panose="020B0502040204020203" pitchFamily="34" charset="0"/>
+                <a:ea typeface="Segoe UI Historic" panose="020B0502040204020203" pitchFamily="34" charset="0"/>
+                <a:cs typeface="Segoe UI Light" panose="020B0502040204020203" pitchFamily="34" charset="0"/>
+              </a:rPr>
+              <a:t>Interface Homme Machine</a:t>
+            </a:r>
+            <a:endParaRPr lang="en-US" sz="6000" b="1" dirty="0">
+              <a:solidFill>
+                <a:srgbClr val="BC1C1C"/>
+              </a:solidFill>
+              <a:latin typeface="Segoe UI Light" panose="020B0502040204020203" pitchFamily="34" charset="0"/>
+              <a:ea typeface="Segoe UI Historic" panose="020B0502040204020203" pitchFamily="34" charset="0"/>
+              <a:cs typeface="Segoe UI Light" panose="020B0502040204020203" pitchFamily="34" charset="0"/>
+            </a:endParaRPr>
+          </a:p>
+        </p:txBody>
+      </p:sp>
+      <p:sp>
+        <p:nvSpPr>
+          <p:cNvPr id="3" name="Espace réservé du contenu 2"/>
+          <p:cNvSpPr>
+            <a:spLocks noGrp="1"/>
+          </p:cNvSpPr>
+          <p:nvPr>
+            <p:ph idx="1"/>
+          </p:nvPr>
+        </p:nvSpPr>
+        <p:spPr>
+          <a:xfrm>
+            <a:off x="1702424" y="800098"/>
+            <a:ext cx="10018713" cy="3124201"/>
+          </a:xfrm>
+        </p:spPr>
+        <p:txBody>
+          <a:bodyPr>
+            <a:normAutofit/>
+          </a:bodyPr>
+          <a:lstStyle/>
+          <a:p>
+            <a:r>
+              <a:rPr lang="fr-FR" dirty="0">
+                <a:latin typeface="Segoe UI Light" panose="020B0502040204020203" pitchFamily="34" charset="0"/>
+                <a:cs typeface="Segoe UI Light" panose="020B0502040204020203" pitchFamily="34" charset="0"/>
+              </a:rPr>
+              <a:t>Création de l’interface homme-machine de l’application mobile avec « </a:t>
+            </a:r>
+            <a:r>
+              <a:rPr lang="fr-FR" dirty="0" err="1">
+                <a:latin typeface="Segoe UI Light" panose="020B0502040204020203" pitchFamily="34" charset="0"/>
+                <a:cs typeface="Segoe UI Light" panose="020B0502040204020203" pitchFamily="34" charset="0"/>
+              </a:rPr>
+              <a:t>Balsamiq</a:t>
+            </a:r>
+            <a:r>
+              <a:rPr lang="fr-FR" dirty="0">
+                <a:latin typeface="Segoe UI Light" panose="020B0502040204020203" pitchFamily="34" charset="0"/>
+                <a:cs typeface="Segoe UI Light" panose="020B0502040204020203" pitchFamily="34" charset="0"/>
+              </a:rPr>
+              <a:t> »</a:t>
+            </a:r>
+          </a:p>
+        </p:txBody>
+      </p:sp>
+      <p:pic>
+        <p:nvPicPr>
+          <p:cNvPr id="5" name="Image 4"/>
+          <p:cNvPicPr>
+            <a:picLocks noChangeAspect="1"/>
+          </p:cNvPicPr>
+          <p:nvPr/>
+        </p:nvPicPr>
+        <p:blipFill>
+          <a:blip r:embed="rId2"/>
+          <a:stretch>
+            <a:fillRect/>
+          </a:stretch>
+        </p:blipFill>
+        <p:spPr>
+          <a:xfrm>
+            <a:off x="10342699" y="5337146"/>
+            <a:ext cx="1219048" cy="1219048"/>
+          </a:xfrm>
+          <a:prstGeom prst="rect">
+            <a:avLst/>
+          </a:prstGeom>
+        </p:spPr>
+      </p:pic>
+      <p:pic>
+        <p:nvPicPr>
+          <p:cNvPr id="6" name="Image 5"/>
+          <p:cNvPicPr>
+            <a:picLocks noChangeAspect="1"/>
+          </p:cNvPicPr>
+          <p:nvPr/>
+        </p:nvPicPr>
+        <p:blipFill>
+          <a:blip r:embed="rId3"/>
+          <a:stretch>
+            <a:fillRect/>
+          </a:stretch>
+        </p:blipFill>
+        <p:spPr>
+          <a:xfrm>
+            <a:off x="4726268" y="2980961"/>
+            <a:ext cx="2980818" cy="3575233"/>
+          </a:xfrm>
+          <a:prstGeom prst="rect">
+            <a:avLst/>
+          </a:prstGeom>
+        </p:spPr>
+      </p:pic>
+    </p:spTree>
+    <p:extLst>
+      <p:ext uri="{BB962C8B-B14F-4D97-AF65-F5344CB8AC3E}">
+        <p14:creationId xmlns:p14="http://schemas.microsoft.com/office/powerpoint/2010/main" val="2855072804"/>
+      </p:ext>
+    </p:extLst>
+  </p:cSld>
+  <p:clrMapOvr>
+    <a:masterClrMapping/>
+  </p:clrMapOvr>
+  <p:transition spd="med">
+    <p:pull/>
+  </p:transition>
+</p:sld>
+</file>
+
 <file path=ppt/slides/slide2.xml><?xml version="1.0" encoding="utf-8"?>
 <p:sld xmlns:a="http://schemas.openxmlformats.org/drawingml/2006/main" xmlns:r="http://schemas.openxmlformats.org/officeDocument/2006/relationships" xmlns:p="http://schemas.openxmlformats.org/presentationml/2006/main">
   <p:cSld>
@@ -7452,6 +7985,184 @@
     <p:extLst>
       <p:ext uri="{BB962C8B-B14F-4D97-AF65-F5344CB8AC3E}">
         <p14:creationId xmlns:p14="http://schemas.microsoft.com/office/powerpoint/2010/main" val="744080961"/>
+      </p:ext>
+    </p:extLst>
+  </p:cSld>
+  <p:clrMapOvr>
+    <a:masterClrMapping/>
+  </p:clrMapOvr>
+  <p:transition spd="med">
+    <p:pull/>
+  </p:transition>
+</p:sld>
+</file>
+
+<file path=ppt/slides/slide9.xml><?xml version="1.0" encoding="utf-8"?>
+<p:sld xmlns:a="http://schemas.openxmlformats.org/drawingml/2006/main" xmlns:r="http://schemas.openxmlformats.org/officeDocument/2006/relationships" xmlns:p="http://schemas.openxmlformats.org/presentationml/2006/main">
+  <p:cSld>
+    <p:spTree>
+      <p:nvGrpSpPr>
+        <p:cNvPr id="1" name=""/>
+        <p:cNvGrpSpPr/>
+        <p:nvPr/>
+      </p:nvGrpSpPr>
+      <p:grpSpPr>
+        <a:xfrm>
+          <a:off x="0" y="0"/>
+          <a:ext cx="0" cy="0"/>
+          <a:chOff x="0" y="0"/>
+          <a:chExt cx="0" cy="0"/>
+        </a:xfrm>
+      </p:grpSpPr>
+      <p:sp>
+        <p:nvSpPr>
+          <p:cNvPr id="2" name="Titre 1"/>
+          <p:cNvSpPr>
+            <a:spLocks noGrp="1"/>
+          </p:cNvSpPr>
+          <p:nvPr>
+            <p:ph type="title"/>
+          </p:nvPr>
+        </p:nvSpPr>
+        <p:spPr>
+          <a:xfrm>
+            <a:off x="1702424" y="0"/>
+            <a:ext cx="10018713" cy="1752599"/>
+          </a:xfrm>
+        </p:spPr>
+        <p:txBody>
+          <a:bodyPr>
+            <a:normAutofit/>
+          </a:bodyPr>
+          <a:lstStyle/>
+          <a:p>
+            <a:r>
+              <a:rPr lang="fr-FR" sz="6000" b="1" dirty="0">
+                <a:solidFill>
+                  <a:srgbClr val="BC1C1C"/>
+                </a:solidFill>
+                <a:latin typeface="Segoe UI Light" panose="020B0502040204020203" pitchFamily="34" charset="0"/>
+                <a:ea typeface="Segoe UI Historic" panose="020B0502040204020203" pitchFamily="34" charset="0"/>
+                <a:cs typeface="Segoe UI Light" panose="020B0502040204020203" pitchFamily="34" charset="0"/>
+              </a:rPr>
+              <a:t>Serveur IBM</a:t>
+            </a:r>
+            <a:endParaRPr lang="en-US" sz="6000" b="1" dirty="0">
+              <a:solidFill>
+                <a:srgbClr val="BC1C1C"/>
+              </a:solidFill>
+              <a:latin typeface="Segoe UI Light" panose="020B0502040204020203" pitchFamily="34" charset="0"/>
+              <a:ea typeface="Segoe UI Historic" panose="020B0502040204020203" pitchFamily="34" charset="0"/>
+              <a:cs typeface="Segoe UI Light" panose="020B0502040204020203" pitchFamily="34" charset="0"/>
+            </a:endParaRPr>
+          </a:p>
+        </p:txBody>
+      </p:sp>
+      <p:sp>
+        <p:nvSpPr>
+          <p:cNvPr id="3" name="Espace réservé du contenu 2"/>
+          <p:cNvSpPr>
+            <a:spLocks noGrp="1"/>
+          </p:cNvSpPr>
+          <p:nvPr>
+            <p:ph idx="1"/>
+          </p:nvPr>
+        </p:nvSpPr>
+        <p:spPr>
+          <a:xfrm>
+            <a:off x="1702423" y="1865924"/>
+            <a:ext cx="10018713" cy="3124201"/>
+          </a:xfrm>
+        </p:spPr>
+        <p:txBody>
+          <a:bodyPr>
+            <a:normAutofit/>
+          </a:bodyPr>
+          <a:lstStyle/>
+          <a:p>
+            <a:pPr marL="0" indent="0">
+              <a:buNone/>
+            </a:pPr>
+            <a:r>
+              <a:rPr lang="fr-FR" b="1" dirty="0">
+                <a:latin typeface="Segoe UI Light" panose="020B0502040204020203" pitchFamily="34" charset="0"/>
+                <a:cs typeface="Segoe UI Light" panose="020B0502040204020203" pitchFamily="34" charset="0"/>
+              </a:rPr>
+              <a:t>Nous avons actuellement un hébergeur chez IBM :</a:t>
+            </a:r>
+          </a:p>
+          <a:p>
+            <a:pPr marL="0" indent="0">
+              <a:buNone/>
+            </a:pPr>
+            <a:endParaRPr lang="fr-FR" b="1" dirty="0">
+              <a:latin typeface="Segoe UI Light" panose="020B0502040204020203" pitchFamily="34" charset="0"/>
+              <a:cs typeface="Segoe UI Light" panose="020B0502040204020203" pitchFamily="34" charset="0"/>
+            </a:endParaRPr>
+          </a:p>
+          <a:p>
+            <a:r>
+              <a:rPr lang="fr-FR" dirty="0">
+                <a:latin typeface="Segoe UI Light" panose="020B0502040204020203" pitchFamily="34" charset="0"/>
+                <a:cs typeface="Segoe UI Light" panose="020B0502040204020203" pitchFamily="34" charset="0"/>
+              </a:rPr>
+              <a:t>Gratuit</a:t>
+            </a:r>
+          </a:p>
+          <a:p>
+            <a:r>
+              <a:rPr lang="fr-FR" dirty="0">
+                <a:latin typeface="Segoe UI Light" panose="020B0502040204020203" pitchFamily="34" charset="0"/>
+                <a:cs typeface="Segoe UI Light" panose="020B0502040204020203" pitchFamily="34" charset="0"/>
+              </a:rPr>
+              <a:t>1 Go de stockage</a:t>
+            </a:r>
+          </a:p>
+          <a:p>
+            <a:r>
+              <a:rPr lang="fr-FR" dirty="0">
+                <a:latin typeface="Segoe UI Light" panose="020B0502040204020203" pitchFamily="34" charset="0"/>
+                <a:cs typeface="Segoe UI Light" panose="020B0502040204020203" pitchFamily="34" charset="0"/>
+              </a:rPr>
+              <a:t>Alternative à GitHub permettant de sécuriser le projet</a:t>
+            </a:r>
+          </a:p>
+          <a:p>
+            <a:endParaRPr lang="fr-FR" b="1" dirty="0">
+              <a:latin typeface="Segoe UI Light" panose="020B0502040204020203" pitchFamily="34" charset="0"/>
+              <a:cs typeface="Segoe UI Light" panose="020B0502040204020203" pitchFamily="34" charset="0"/>
+            </a:endParaRPr>
+          </a:p>
+        </p:txBody>
+      </p:sp>
+      <p:pic>
+        <p:nvPicPr>
+          <p:cNvPr id="5" name="Image 4"/>
+          <p:cNvPicPr>
+            <a:picLocks noChangeAspect="1"/>
+          </p:cNvPicPr>
+          <p:nvPr/>
+        </p:nvPicPr>
+        <p:blipFill>
+          <a:blip r:embed="rId2"/>
+          <a:stretch>
+            <a:fillRect/>
+          </a:stretch>
+        </p:blipFill>
+        <p:spPr>
+          <a:xfrm>
+            <a:off x="10342699" y="5337146"/>
+            <a:ext cx="1219048" cy="1219048"/>
+          </a:xfrm>
+          <a:prstGeom prst="rect">
+            <a:avLst/>
+          </a:prstGeom>
+        </p:spPr>
+      </p:pic>
+    </p:spTree>
+    <p:extLst>
+      <p:ext uri="{BB962C8B-B14F-4D97-AF65-F5344CB8AC3E}">
+        <p14:creationId xmlns:p14="http://schemas.microsoft.com/office/powerpoint/2010/main" val="1454749710"/>
       </p:ext>
     </p:extLst>
   </p:cSld>
